--- a/documentation/JPEG_image_reader_presentazione.pptx
+++ b/documentation/JPEG_image_reader_presentazione.pptx
@@ -1088,7 +1088,7 @@
   <pc:docChgLst>
     <pc:chgData name="jacopo sabatino" userId="d1d9f798595584a3" providerId="LiveId" clId="{76C75BD7-7176-447B-A3C3-5B049496298F}"/>
     <pc:docChg chg="undo custSel delSld modSld">
-      <pc:chgData name="jacopo sabatino" userId="d1d9f798595584a3" providerId="LiveId" clId="{76C75BD7-7176-447B-A3C3-5B049496298F}" dt="2024-02-20T11:12:55.075" v="1806" actId="1076"/>
+      <pc:chgData name="jacopo sabatino" userId="d1d9f798595584a3" providerId="LiveId" clId="{76C75BD7-7176-447B-A3C3-5B049496298F}" dt="2024-02-21T10:44:34.090" v="1836" actId="20577"/>
       <pc:docMkLst>
         <pc:docMk/>
       </pc:docMkLst>
@@ -1131,13 +1131,13 @@
         </pc:spChg>
       </pc:sldChg>
       <pc:sldChg chg="modSp mod">
-        <pc:chgData name="jacopo sabatino" userId="d1d9f798595584a3" providerId="LiveId" clId="{76C75BD7-7176-447B-A3C3-5B049496298F}" dt="2024-02-20T10:10:56.917" v="783" actId="20577"/>
+        <pc:chgData name="jacopo sabatino" userId="d1d9f798595584a3" providerId="LiveId" clId="{76C75BD7-7176-447B-A3C3-5B049496298F}" dt="2024-02-21T10:40:45.595" v="1816" actId="1076"/>
         <pc:sldMkLst>
           <pc:docMk/>
           <pc:sldMk cId="1535688021" sldId="259"/>
         </pc:sldMkLst>
         <pc:spChg chg="mod">
-          <ac:chgData name="jacopo sabatino" userId="d1d9f798595584a3" providerId="LiveId" clId="{76C75BD7-7176-447B-A3C3-5B049496298F}" dt="2024-02-20T10:04:52.681" v="283" actId="20577"/>
+          <ac:chgData name="jacopo sabatino" userId="d1d9f798595584a3" providerId="LiveId" clId="{76C75BD7-7176-447B-A3C3-5B049496298F}" dt="2024-02-21T10:39:46.049" v="1807" actId="1076"/>
           <ac:spMkLst>
             <pc:docMk/>
             <pc:sldMk cId="1535688021" sldId="259"/>
@@ -1145,7 +1145,7 @@
           </ac:spMkLst>
         </pc:spChg>
         <pc:spChg chg="mod">
-          <ac:chgData name="jacopo sabatino" userId="d1d9f798595584a3" providerId="LiveId" clId="{76C75BD7-7176-447B-A3C3-5B049496298F}" dt="2024-02-20T10:10:56.917" v="783" actId="20577"/>
+          <ac:chgData name="jacopo sabatino" userId="d1d9f798595584a3" providerId="LiveId" clId="{76C75BD7-7176-447B-A3C3-5B049496298F}" dt="2024-02-21T10:40:45.595" v="1816" actId="1076"/>
           <ac:spMkLst>
             <pc:docMk/>
             <pc:sldMk cId="1535688021" sldId="259"/>
@@ -1256,7 +1256,7 @@
         </pc:picChg>
       </pc:sldChg>
       <pc:sldChg chg="modSp mod">
-        <pc:chgData name="jacopo sabatino" userId="d1d9f798595584a3" providerId="LiveId" clId="{76C75BD7-7176-447B-A3C3-5B049496298F}" dt="2024-02-20T10:48:28.115" v="1055" actId="1076"/>
+        <pc:chgData name="jacopo sabatino" userId="d1d9f798595584a3" providerId="LiveId" clId="{76C75BD7-7176-447B-A3C3-5B049496298F}" dt="2024-02-21T10:42:13.285" v="1831" actId="20577"/>
         <pc:sldMkLst>
           <pc:docMk/>
           <pc:sldMk cId="124325527" sldId="262"/>
@@ -1270,7 +1270,7 @@
           </ac:spMkLst>
         </pc:spChg>
         <pc:spChg chg="mod">
-          <ac:chgData name="jacopo sabatino" userId="d1d9f798595584a3" providerId="LiveId" clId="{76C75BD7-7176-447B-A3C3-5B049496298F}" dt="2024-02-20T10:48:28.115" v="1055" actId="1076"/>
+          <ac:chgData name="jacopo sabatino" userId="d1d9f798595584a3" providerId="LiveId" clId="{76C75BD7-7176-447B-A3C3-5B049496298F}" dt="2024-02-21T10:42:13.285" v="1831" actId="20577"/>
           <ac:spMkLst>
             <pc:docMk/>
             <pc:sldMk cId="124325527" sldId="262"/>
@@ -1349,13 +1349,13 @@
         </pc:spChg>
       </pc:sldChg>
       <pc:sldChg chg="modSp mod">
-        <pc:chgData name="jacopo sabatino" userId="d1d9f798595584a3" providerId="LiveId" clId="{76C75BD7-7176-447B-A3C3-5B049496298F}" dt="2024-02-20T11:12:55.075" v="1806" actId="1076"/>
+        <pc:chgData name="jacopo sabatino" userId="d1d9f798595584a3" providerId="LiveId" clId="{76C75BD7-7176-447B-A3C3-5B049496298F}" dt="2024-02-21T10:44:34.090" v="1836" actId="20577"/>
         <pc:sldMkLst>
           <pc:docMk/>
           <pc:sldMk cId="3258070187" sldId="266"/>
         </pc:sldMkLst>
         <pc:spChg chg="mod">
-          <ac:chgData name="jacopo sabatino" userId="d1d9f798595584a3" providerId="LiveId" clId="{76C75BD7-7176-447B-A3C3-5B049496298F}" dt="2024-02-20T11:12:55.075" v="1806" actId="1076"/>
+          <ac:chgData name="jacopo sabatino" userId="d1d9f798595584a3" providerId="LiveId" clId="{76C75BD7-7176-447B-A3C3-5B049496298F}" dt="2024-02-21T10:44:34.090" v="1836" actId="20577"/>
           <ac:spMkLst>
             <pc:docMk/>
             <pc:sldMk cId="3258070187" sldId="266"/>
@@ -1387,7 +1387,7 @@
         </pc:spChg>
       </pc:sldChg>
       <pc:sldChg chg="addSp delSp modSp mod">
-        <pc:chgData name="jacopo sabatino" userId="d1d9f798595584a3" providerId="LiveId" clId="{76C75BD7-7176-447B-A3C3-5B049496298F}" dt="2024-02-20T11:09:07.366" v="1443" actId="1076"/>
+        <pc:chgData name="jacopo sabatino" userId="d1d9f798595584a3" providerId="LiveId" clId="{76C75BD7-7176-447B-A3C3-5B049496298F}" dt="2024-02-21T10:43:42.362" v="1834" actId="1076"/>
         <pc:sldMkLst>
           <pc:docMk/>
           <pc:sldMk cId="4178009616" sldId="268"/>
@@ -1401,7 +1401,7 @@
           </ac:spMkLst>
         </pc:spChg>
         <pc:spChg chg="mod">
-          <ac:chgData name="jacopo sabatino" userId="d1d9f798595584a3" providerId="LiveId" clId="{76C75BD7-7176-447B-A3C3-5B049496298F}" dt="2024-02-20T11:09:07.366" v="1443" actId="1076"/>
+          <ac:chgData name="jacopo sabatino" userId="d1d9f798595584a3" providerId="LiveId" clId="{76C75BD7-7176-447B-A3C3-5B049496298F}" dt="2024-02-21T10:43:42.362" v="1834" actId="1076"/>
           <ac:spMkLst>
             <pc:docMk/>
             <pc:sldMk cId="4178009616" sldId="268"/>
@@ -1425,7 +1425,7 @@
           </ac:picMkLst>
         </pc:picChg>
         <pc:picChg chg="add mod">
-          <ac:chgData name="jacopo sabatino" userId="d1d9f798595584a3" providerId="LiveId" clId="{76C75BD7-7176-447B-A3C3-5B049496298F}" dt="2024-02-20T11:08:46.784" v="1441" actId="14100"/>
+          <ac:chgData name="jacopo sabatino" userId="d1d9f798595584a3" providerId="LiveId" clId="{76C75BD7-7176-447B-A3C3-5B049496298F}" dt="2024-02-21T10:43:37.800" v="1833" actId="1076"/>
           <ac:picMkLst>
             <pc:docMk/>
             <pc:sldMk cId="4178009616" sldId="268"/>
@@ -1521,7 +1521,7 @@
             <a:fld id="{45BF3CCC-77DD-F84F-A249-CA3C5045A043}" type="datetime1">
               <a:rPr lang="it-IT" smtClean="0"/>
               <a:pPr/>
-              <a:t>20/02/2024</a:t>
+              <a:t>21/02/2024</a:t>
             </a:fld>
             <a:endParaRPr lang="it-IT"/>
           </a:p>
@@ -1689,7 +1689,7 @@
             <a:fld id="{FE692227-D6DC-FD45-9507-DB2BAD58473C}" type="datetime1">
               <a:rPr lang="it-IT" smtClean="0"/>
               <a:pPr/>
-              <a:t>20/02/2024</a:t>
+              <a:t>21/02/2024</a:t>
             </a:fld>
             <a:endParaRPr lang="it-IT"/>
           </a:p>
@@ -2842,7 +2842,7 @@
             <a:fld id="{AD8BF249-6BAC-CD40-AAE9-334F110649E5}" type="datetimeFigureOut">
               <a:rPr lang="it-IT" smtClean="0"/>
               <a:pPr/>
-              <a:t>20/02/2024</a:t>
+              <a:t>21/02/2024</a:t>
             </a:fld>
             <a:endParaRPr lang="it-IT"/>
           </a:p>
@@ -3012,7 +3012,7 @@
             <a:fld id="{AD8BF249-6BAC-CD40-AAE9-334F110649E5}" type="datetimeFigureOut">
               <a:rPr lang="it-IT" smtClean="0"/>
               <a:pPr/>
-              <a:t>20/02/2024</a:t>
+              <a:t>21/02/2024</a:t>
             </a:fld>
             <a:endParaRPr lang="it-IT"/>
           </a:p>
@@ -3192,7 +3192,7 @@
             <a:fld id="{AD8BF249-6BAC-CD40-AAE9-334F110649E5}" type="datetimeFigureOut">
               <a:rPr lang="it-IT" smtClean="0"/>
               <a:pPr/>
-              <a:t>20/02/2024</a:t>
+              <a:t>21/02/2024</a:t>
             </a:fld>
             <a:endParaRPr lang="it-IT"/>
           </a:p>
@@ -3362,7 +3362,7 @@
             <a:fld id="{AD8BF249-6BAC-CD40-AAE9-334F110649E5}" type="datetimeFigureOut">
               <a:rPr lang="it-IT" smtClean="0"/>
               <a:pPr/>
-              <a:t>20/02/2024</a:t>
+              <a:t>21/02/2024</a:t>
             </a:fld>
             <a:endParaRPr lang="it-IT"/>
           </a:p>
@@ -3609,7 +3609,7 @@
             <a:fld id="{AD8BF249-6BAC-CD40-AAE9-334F110649E5}" type="datetimeFigureOut">
               <a:rPr lang="it-IT" smtClean="0"/>
               <a:pPr/>
-              <a:t>20/02/2024</a:t>
+              <a:t>21/02/2024</a:t>
             </a:fld>
             <a:endParaRPr lang="it-IT"/>
           </a:p>
@@ -3896,7 +3896,7 @@
             <a:fld id="{AD8BF249-6BAC-CD40-AAE9-334F110649E5}" type="datetimeFigureOut">
               <a:rPr lang="it-IT" smtClean="0"/>
               <a:pPr/>
-              <a:t>20/02/2024</a:t>
+              <a:t>21/02/2024</a:t>
             </a:fld>
             <a:endParaRPr lang="it-IT"/>
           </a:p>
@@ -4317,7 +4317,7 @@
             <a:fld id="{AD8BF249-6BAC-CD40-AAE9-334F110649E5}" type="datetimeFigureOut">
               <a:rPr lang="it-IT" smtClean="0"/>
               <a:pPr/>
-              <a:t>20/02/2024</a:t>
+              <a:t>21/02/2024</a:t>
             </a:fld>
             <a:endParaRPr lang="it-IT"/>
           </a:p>
@@ -4436,7 +4436,7 @@
             <a:fld id="{AD8BF249-6BAC-CD40-AAE9-334F110649E5}" type="datetimeFigureOut">
               <a:rPr lang="it-IT" smtClean="0"/>
               <a:pPr/>
-              <a:t>20/02/2024</a:t>
+              <a:t>21/02/2024</a:t>
             </a:fld>
             <a:endParaRPr lang="it-IT"/>
           </a:p>
@@ -4533,7 +4533,7 @@
             <a:fld id="{AD8BF249-6BAC-CD40-AAE9-334F110649E5}" type="datetimeFigureOut">
               <a:rPr lang="it-IT" smtClean="0"/>
               <a:pPr/>
-              <a:t>20/02/2024</a:t>
+              <a:t>21/02/2024</a:t>
             </a:fld>
             <a:endParaRPr lang="it-IT"/>
           </a:p>
@@ -4810,7 +4810,7 @@
             <a:fld id="{AD8BF249-6BAC-CD40-AAE9-334F110649E5}" type="datetimeFigureOut">
               <a:rPr lang="it-IT" smtClean="0"/>
               <a:pPr/>
-              <a:t>20/02/2024</a:t>
+              <a:t>21/02/2024</a:t>
             </a:fld>
             <a:endParaRPr lang="it-IT"/>
           </a:p>
@@ -5064,7 +5064,7 @@
             <a:fld id="{AD8BF249-6BAC-CD40-AAE9-334F110649E5}" type="datetimeFigureOut">
               <a:rPr lang="it-IT" smtClean="0"/>
               <a:pPr/>
-              <a:t>20/02/2024</a:t>
+              <a:t>21/02/2024</a:t>
             </a:fld>
             <a:endParaRPr lang="it-IT"/>
           </a:p>
@@ -5277,7 +5277,7 @@
             <a:fld id="{AD8BF249-6BAC-CD40-AAE9-334F110649E5}" type="datetimeFigureOut">
               <a:rPr lang="it-IT" smtClean="0"/>
               <a:pPr/>
-              <a:t>20/02/2024</a:t>
+              <a:t>21/02/2024</a:t>
             </a:fld>
             <a:endParaRPr lang="it-IT"/>
           </a:p>
@@ -6227,7 +6227,7 @@
         </p:nvSpPr>
         <p:spPr>
           <a:xfrm>
-            <a:off x="648253" y="1305402"/>
+            <a:off x="648253" y="1235775"/>
             <a:ext cx="4663050" cy="461665"/>
           </a:xfrm>
           <a:prstGeom prst="rect">
@@ -6264,7 +6264,7 @@
         </p:nvSpPr>
         <p:spPr>
           <a:xfrm>
-            <a:off x="576354" y="2632158"/>
+            <a:off x="576354" y="2495164"/>
             <a:ext cx="7819027" cy="2637710"/>
           </a:xfrm>
           <a:prstGeom prst="rect">
@@ -6355,7 +6355,7 @@
                 <a:latin typeface="Arial" panose="020B0604020202020204" pitchFamily="34" charset="0"/>
                 <a:cs typeface="Arial" panose="020B0604020202020204" pitchFamily="34" charset="0"/>
               </a:rPr>
-              <a:t>, sono aperte dalla funzione </a:t>
+              <a:t>, sono aperte da una funzione </a:t>
             </a:r>
             <a:r>
               <a:rPr lang="it-IT" sz="1400" dirty="0" err="1">
@@ -7263,7 +7263,7 @@
         <p:spPr>
           <a:xfrm>
             <a:off x="576354" y="2170202"/>
-            <a:ext cx="7819027" cy="3257110"/>
+            <a:ext cx="7819027" cy="3262240"/>
           </a:xfrm>
           <a:prstGeom prst="rect">
             <a:avLst/>
@@ -7321,7 +7321,7 @@
                 <a:latin typeface="Arial" panose="020B0604020202020204" pitchFamily="34" charset="0"/>
                 <a:cs typeface="Arial" panose="020B0604020202020204" pitchFamily="34" charset="0"/>
               </a:rPr>
-              <a:t>Il dataset utilizzato è una composizione di questi 3:</a:t>
+              <a:t>Il dataset utilizzato è una composizione dei seguenti:</a:t>
             </a:r>
           </a:p>
           <a:p>
@@ -8342,7 +8342,7 @@
         </p:nvSpPr>
         <p:spPr>
           <a:xfrm>
-            <a:off x="4965191" y="2630991"/>
+            <a:off x="4965191" y="2698062"/>
             <a:ext cx="4078550" cy="2314544"/>
           </a:xfrm>
           <a:prstGeom prst="rect">
@@ -8471,7 +8471,7 @@
         </p:blipFill>
         <p:spPr>
           <a:xfrm>
-            <a:off x="122312" y="1989106"/>
+            <a:off x="213752" y="2066226"/>
             <a:ext cx="4842879" cy="3736682"/>
           </a:xfrm>
           <a:prstGeom prst="rect">
@@ -8672,7 +8672,7 @@
                 <a:latin typeface="Arial" panose="020B0604020202020204" pitchFamily="34" charset="0"/>
                 <a:cs typeface="Arial" panose="020B0604020202020204" pitchFamily="34" charset="0"/>
               </a:rPr>
-              <a:t>Il numero ideale di processi per la macchina utilizzata nei test  corrisponde a 10.</a:t>
+              <a:t>Il numero ideale di processi per la macchina utilizzata nei test corrisponde a 10</a:t>
             </a:r>
           </a:p>
         </p:txBody>
